--- a/assets/docs/Documento_Final_3.pptx
+++ b/assets/docs/Documento_Final_3.pptx
@@ -10,6 +10,8 @@
     <p:sldId id="258" r:id="rId4"/>
     <p:sldId id="259" r:id="rId5"/>
     <p:sldId id="260" r:id="rId6"/>
+    <p:sldId id="261" r:id="rId7"/>
+    <p:sldId id="262" r:id="rId8"/>
   </p:sldIdLst>
   <p:sldSz cx="12192000" cy="6858000"/>
   <p:notesSz cx="6858000" cy="9144000"/>
@@ -108,6 +110,11 @@
       </a:defRPr>
     </a:lvl9pPr>
   </p:defaultTextStyle>
+  <p:extLst>
+    <p:ext uri="{EFAFB233-063F-42B5-8137-9DF3F51BA10A}">
+      <p15:sldGuideLst xmlns:p15="http://schemas.microsoft.com/office/powerpoint/2012/main"/>
+    </p:ext>
+  </p:extLst>
 </p:presentation>
 </file>
 
@@ -260,7 +267,7 @@
           <a:p>
             <a:fld id="{B7C8D350-4D61-4EFD-857B-D60CA6079181}" type="datetimeFigureOut">
               <a:rPr lang="en-US" smtClean="0"/>
-              <a:t>9/23/2025</a:t>
+              <a:t>10/24/2025</a:t>
             </a:fld>
             <a:endParaRPr lang="en-US"/>
           </a:p>
@@ -460,7 +467,7 @@
           <a:p>
             <a:fld id="{B7C8D350-4D61-4EFD-857B-D60CA6079181}" type="datetimeFigureOut">
               <a:rPr lang="en-US" smtClean="0"/>
-              <a:t>9/23/2025</a:t>
+              <a:t>10/24/2025</a:t>
             </a:fld>
             <a:endParaRPr lang="en-US"/>
           </a:p>
@@ -670,7 +677,7 @@
           <a:p>
             <a:fld id="{B7C8D350-4D61-4EFD-857B-D60CA6079181}" type="datetimeFigureOut">
               <a:rPr lang="en-US" smtClean="0"/>
-              <a:t>9/23/2025</a:t>
+              <a:t>10/24/2025</a:t>
             </a:fld>
             <a:endParaRPr lang="en-US"/>
           </a:p>
@@ -870,7 +877,7 @@
           <a:p>
             <a:fld id="{B7C8D350-4D61-4EFD-857B-D60CA6079181}" type="datetimeFigureOut">
               <a:rPr lang="en-US" smtClean="0"/>
-              <a:t>9/23/2025</a:t>
+              <a:t>10/24/2025</a:t>
             </a:fld>
             <a:endParaRPr lang="en-US"/>
           </a:p>
@@ -1146,7 +1153,7 @@
           <a:p>
             <a:fld id="{B7C8D350-4D61-4EFD-857B-D60CA6079181}" type="datetimeFigureOut">
               <a:rPr lang="en-US" smtClean="0"/>
-              <a:t>9/23/2025</a:t>
+              <a:t>10/24/2025</a:t>
             </a:fld>
             <a:endParaRPr lang="en-US"/>
           </a:p>
@@ -1414,7 +1421,7 @@
           <a:p>
             <a:fld id="{B7C8D350-4D61-4EFD-857B-D60CA6079181}" type="datetimeFigureOut">
               <a:rPr lang="en-US" smtClean="0"/>
-              <a:t>9/23/2025</a:t>
+              <a:t>10/24/2025</a:t>
             </a:fld>
             <a:endParaRPr lang="en-US"/>
           </a:p>
@@ -1829,7 +1836,7 @@
           <a:p>
             <a:fld id="{B7C8D350-4D61-4EFD-857B-D60CA6079181}" type="datetimeFigureOut">
               <a:rPr lang="en-US" smtClean="0"/>
-              <a:t>9/23/2025</a:t>
+              <a:t>10/24/2025</a:t>
             </a:fld>
             <a:endParaRPr lang="en-US"/>
           </a:p>
@@ -1971,7 +1978,7 @@
           <a:p>
             <a:fld id="{B7C8D350-4D61-4EFD-857B-D60CA6079181}" type="datetimeFigureOut">
               <a:rPr lang="en-US" smtClean="0"/>
-              <a:t>9/23/2025</a:t>
+              <a:t>10/24/2025</a:t>
             </a:fld>
             <a:endParaRPr lang="en-US"/>
           </a:p>
@@ -2084,7 +2091,7 @@
           <a:p>
             <a:fld id="{B7C8D350-4D61-4EFD-857B-D60CA6079181}" type="datetimeFigureOut">
               <a:rPr lang="en-US" smtClean="0"/>
-              <a:t>9/23/2025</a:t>
+              <a:t>10/24/2025</a:t>
             </a:fld>
             <a:endParaRPr lang="en-US"/>
           </a:p>
@@ -2397,7 +2404,7 @@
           <a:p>
             <a:fld id="{B7C8D350-4D61-4EFD-857B-D60CA6079181}" type="datetimeFigureOut">
               <a:rPr lang="en-US" smtClean="0"/>
-              <a:t>9/23/2025</a:t>
+              <a:t>10/24/2025</a:t>
             </a:fld>
             <a:endParaRPr lang="en-US"/>
           </a:p>
@@ -2686,7 +2693,7 @@
           <a:p>
             <a:fld id="{B7C8D350-4D61-4EFD-857B-D60CA6079181}" type="datetimeFigureOut">
               <a:rPr lang="en-US" smtClean="0"/>
-              <a:t>9/23/2025</a:t>
+              <a:t>10/24/2025</a:t>
             </a:fld>
             <a:endParaRPr lang="en-US"/>
           </a:p>
@@ -2929,7 +2936,7 @@
           <a:p>
             <a:fld id="{B7C8D350-4D61-4EFD-857B-D60CA6079181}" type="datetimeFigureOut">
               <a:rPr lang="en-US" smtClean="0"/>
-              <a:t>9/23/2025</a:t>
+              <a:t>10/24/2025</a:t>
             </a:fld>
             <a:endParaRPr lang="en-US"/>
           </a:p>
@@ -4032,6 +4039,371 @@
 </p:sld>
 </file>
 
+<file path=ppt/slides/slide6.xml><?xml version="1.0" encoding="utf-8"?>
+<p:sld xmlns:a="http://schemas.openxmlformats.org/drawingml/2006/main" xmlns:r="http://schemas.openxmlformats.org/officeDocument/2006/relationships" xmlns:p="http://schemas.openxmlformats.org/presentationml/2006/main">
+  <p:cSld>
+    <p:spTree>
+      <p:nvGrpSpPr>
+        <p:cNvPr id="1" name=""/>
+        <p:cNvGrpSpPr/>
+        <p:nvPr/>
+      </p:nvGrpSpPr>
+      <p:grpSpPr>
+        <a:xfrm>
+          <a:off x="0" y="0"/>
+          <a:ext cx="0" cy="0"/>
+          <a:chOff x="0" y="0"/>
+          <a:chExt cx="0" cy="0"/>
+        </a:xfrm>
+      </p:grpSpPr>
+      <p:sp>
+        <p:nvSpPr>
+          <p:cNvPr id="2" name="Título 1">
+            <a:extLst>
+              <a:ext uri="{FF2B5EF4-FFF2-40B4-BE49-F238E27FC236}">
+                <a16:creationId xmlns:a16="http://schemas.microsoft.com/office/drawing/2014/main" id="{7AA0BFA5-CB73-451C-AF9B-B833D2E554D3}"/>
+              </a:ext>
+            </a:extLst>
+          </p:cNvPr>
+          <p:cNvSpPr>
+            <a:spLocks noGrp="1"/>
+          </p:cNvSpPr>
+          <p:nvPr>
+            <p:ph type="title"/>
+          </p:nvPr>
+        </p:nvSpPr>
+        <p:spPr/>
+        <p:txBody>
+          <a:bodyPr/>
+          <a:lstStyle/>
+          <a:p>
+            <a:r>
+              <a:rPr lang="en-US" dirty="0" err="1"/>
+              <a:t>Datos</a:t>
+            </a:r>
+            <a:r>
+              <a:rPr lang="en-US" dirty="0"/>
+              <a:t> de </a:t>
+            </a:r>
+            <a:r>
+              <a:rPr lang="en-US" dirty="0" err="1"/>
+              <a:t>tiempo</a:t>
+            </a:r>
+            <a:r>
+              <a:rPr lang="en-US" dirty="0"/>
+              <a:t> por </a:t>
+            </a:r>
+            <a:r>
+              <a:rPr lang="en-US" dirty="0" err="1"/>
+              <a:t>cada</a:t>
+            </a:r>
+            <a:r>
+              <a:rPr lang="en-US" dirty="0"/>
+              <a:t> </a:t>
+            </a:r>
+            <a:r>
+              <a:rPr lang="en-US" dirty="0" err="1"/>
+              <a:t>integrante</a:t>
+            </a:r>
+            <a:endParaRPr lang="en-US" dirty="0"/>
+          </a:p>
+        </p:txBody>
+      </p:sp>
+      <p:pic>
+        <p:nvPicPr>
+          <p:cNvPr id="5" name="Marcador de contenido 4">
+            <a:extLst>
+              <a:ext uri="{FF2B5EF4-FFF2-40B4-BE49-F238E27FC236}">
+                <a16:creationId xmlns:a16="http://schemas.microsoft.com/office/drawing/2014/main" id="{5D4E7327-F652-4E36-9E93-F1D114D134EC}"/>
+              </a:ext>
+            </a:extLst>
+          </p:cNvPr>
+          <p:cNvPicPr>
+            <a:picLocks noGrp="1" noChangeAspect="1"/>
+          </p:cNvPicPr>
+          <p:nvPr>
+            <p:ph idx="1"/>
+          </p:nvPr>
+        </p:nvPicPr>
+        <p:blipFill>
+          <a:blip r:embed="rId2"/>
+          <a:stretch>
+            <a:fillRect/>
+          </a:stretch>
+        </p:blipFill>
+        <p:spPr>
+          <a:xfrm>
+            <a:off x="963867" y="1460441"/>
+            <a:ext cx="7607691" cy="654084"/>
+          </a:xfrm>
+        </p:spPr>
+      </p:pic>
+      <p:pic>
+        <p:nvPicPr>
+          <p:cNvPr id="1026" name="Picture 2">
+            <a:extLst>
+              <a:ext uri="{FF2B5EF4-FFF2-40B4-BE49-F238E27FC236}">
+                <a16:creationId xmlns:a16="http://schemas.microsoft.com/office/drawing/2014/main" id="{9BCF3B57-ADE0-40D2-989F-3CFA94A9CA18}"/>
+              </a:ext>
+            </a:extLst>
+          </p:cNvPr>
+          <p:cNvPicPr>
+            <a:picLocks noChangeAspect="1" noChangeArrowheads="1"/>
+          </p:cNvPicPr>
+          <p:nvPr/>
+        </p:nvPicPr>
+        <p:blipFill>
+          <a:blip r:embed="rId3">
+            <a:extLst>
+              <a:ext uri="{28A0092B-C50C-407E-A947-70E740481C1C}">
+                <a14:useLocalDpi xmlns:a14="http://schemas.microsoft.com/office/drawing/2010/main" val="0"/>
+              </a:ext>
+            </a:extLst>
+          </a:blip>
+          <a:srcRect/>
+          <a:stretch>
+            <a:fillRect/>
+          </a:stretch>
+        </p:blipFill>
+        <p:spPr bwMode="auto">
+          <a:xfrm>
+            <a:off x="1648274" y="2500614"/>
+            <a:ext cx="6238875" cy="3743325"/>
+          </a:xfrm>
+          <a:prstGeom prst="rect">
+            <a:avLst/>
+          </a:prstGeom>
+          <a:noFill/>
+          <a:extLst>
+            <a:ext uri="{909E8E84-426E-40DD-AFC4-6F175D3DCCD1}">
+              <a14:hiddenFill xmlns:a14="http://schemas.microsoft.com/office/drawing/2010/main">
+                <a:solidFill>
+                  <a:srgbClr val="FFFFFF"/>
+                </a:solidFill>
+              </a14:hiddenFill>
+            </a:ext>
+          </a:extLst>
+        </p:spPr>
+      </p:pic>
+    </p:spTree>
+    <p:extLst>
+      <p:ext uri="{BB962C8B-B14F-4D97-AF65-F5344CB8AC3E}">
+        <p14:creationId xmlns:p14="http://schemas.microsoft.com/office/powerpoint/2010/main" val="388069722"/>
+      </p:ext>
+    </p:extLst>
+  </p:cSld>
+  <p:clrMapOvr>
+    <a:masterClrMapping/>
+  </p:clrMapOvr>
+</p:sld>
+</file>
+
+<file path=ppt/slides/slide7.xml><?xml version="1.0" encoding="utf-8"?>
+<p:sld xmlns:a="http://schemas.openxmlformats.org/drawingml/2006/main" xmlns:r="http://schemas.openxmlformats.org/officeDocument/2006/relationships" xmlns:p="http://schemas.openxmlformats.org/presentationml/2006/main">
+  <p:cSld>
+    <p:spTree>
+      <p:nvGrpSpPr>
+        <p:cNvPr id="1" name=""/>
+        <p:cNvGrpSpPr/>
+        <p:nvPr/>
+      </p:nvGrpSpPr>
+      <p:grpSpPr>
+        <a:xfrm>
+          <a:off x="0" y="0"/>
+          <a:ext cx="0" cy="0"/>
+          <a:chOff x="0" y="0"/>
+          <a:chExt cx="0" cy="0"/>
+        </a:xfrm>
+      </p:grpSpPr>
+      <p:sp>
+        <p:nvSpPr>
+          <p:cNvPr id="2" name="Título 1">
+            <a:extLst>
+              <a:ext uri="{FF2B5EF4-FFF2-40B4-BE49-F238E27FC236}">
+                <a16:creationId xmlns:a16="http://schemas.microsoft.com/office/drawing/2014/main" id="{A1DC7CD6-5367-45B5-8147-8E1934C44C54}"/>
+              </a:ext>
+            </a:extLst>
+          </p:cNvPr>
+          <p:cNvSpPr>
+            <a:spLocks noGrp="1"/>
+          </p:cNvSpPr>
+          <p:nvPr>
+            <p:ph type="title"/>
+          </p:nvPr>
+        </p:nvSpPr>
+        <p:spPr/>
+        <p:txBody>
+          <a:bodyPr/>
+          <a:lstStyle/>
+          <a:p>
+            <a:r>
+              <a:rPr lang="en-US" dirty="0" err="1"/>
+              <a:t>Actividades</a:t>
+            </a:r>
+            <a:r>
+              <a:rPr lang="en-US" dirty="0"/>
+              <a:t> </a:t>
+            </a:r>
+            <a:r>
+              <a:rPr lang="en-US" dirty="0" err="1"/>
+              <a:t>hechas</a:t>
+            </a:r>
+            <a:r>
+              <a:rPr lang="en-US" dirty="0"/>
+              <a:t> por </a:t>
+            </a:r>
+            <a:r>
+              <a:rPr lang="en-US" dirty="0" err="1"/>
+              <a:t>cada</a:t>
+            </a:r>
+            <a:r>
+              <a:rPr lang="en-US" dirty="0"/>
+              <a:t> </a:t>
+            </a:r>
+            <a:r>
+              <a:rPr lang="en-US" dirty="0" err="1"/>
+              <a:t>integrante</a:t>
+            </a:r>
+            <a:endParaRPr lang="en-US" dirty="0"/>
+          </a:p>
+        </p:txBody>
+      </p:sp>
+      <p:sp>
+        <p:nvSpPr>
+          <p:cNvPr id="3" name="Marcador de contenido 2">
+            <a:extLst>
+              <a:ext uri="{FF2B5EF4-FFF2-40B4-BE49-F238E27FC236}">
+                <a16:creationId xmlns:a16="http://schemas.microsoft.com/office/drawing/2014/main" id="{463AC50E-2E84-49E5-BF10-C424DA214429}"/>
+              </a:ext>
+            </a:extLst>
+          </p:cNvPr>
+          <p:cNvSpPr>
+            <a:spLocks noGrp="1"/>
+          </p:cNvSpPr>
+          <p:nvPr>
+            <p:ph idx="1"/>
+          </p:nvPr>
+        </p:nvSpPr>
+        <p:spPr/>
+        <p:txBody>
+          <a:bodyPr/>
+          <a:lstStyle/>
+          <a:p>
+            <a:pPr rtl="0">
+              <a:spcBef>
+                <a:spcPts val="0"/>
+              </a:spcBef>
+              <a:spcAft>
+                <a:spcPts val="1200"/>
+              </a:spcAft>
+            </a:pPr>
+            <a:r>
+              <a:rPr lang="es-ES" sz="1800" b="0" i="0" u="none" strike="noStrike" dirty="0">
+                <a:effectLst/>
+                <a:latin typeface="Times New Roman" panose="02020603050405020304" pitchFamily="18" charset="0"/>
+              </a:rPr>
+              <a:t>Trabajo realizado por el LE: 8 actividades</a:t>
+            </a:r>
+            <a:endParaRPr lang="es-ES" b="0" dirty="0">
+              <a:effectLst/>
+            </a:endParaRPr>
+          </a:p>
+          <a:p>
+            <a:pPr rtl="0">
+              <a:spcBef>
+                <a:spcPts val="0"/>
+              </a:spcBef>
+              <a:spcAft>
+                <a:spcPts val="1200"/>
+              </a:spcAft>
+            </a:pPr>
+            <a:r>
+              <a:rPr lang="es-ES" sz="1800" b="0" i="0" u="none" strike="noStrike" dirty="0">
+                <a:effectLst/>
+                <a:latin typeface="Times New Roman" panose="02020603050405020304" pitchFamily="18" charset="0"/>
+              </a:rPr>
+              <a:t>Trabajo realizado por el LD: 9 actividades</a:t>
+            </a:r>
+            <a:br>
+              <a:rPr lang="es-ES" dirty="0"/>
+            </a:br>
+            <a:endParaRPr lang="en-US" dirty="0"/>
+          </a:p>
+        </p:txBody>
+      </p:sp>
+      <p:pic>
+        <p:nvPicPr>
+          <p:cNvPr id="5" name="Imagen 4">
+            <a:extLst>
+              <a:ext uri="{FF2B5EF4-FFF2-40B4-BE49-F238E27FC236}">
+                <a16:creationId xmlns:a16="http://schemas.microsoft.com/office/drawing/2014/main" id="{47E0CEE5-BBFC-4644-98C5-00E514864241}"/>
+              </a:ext>
+            </a:extLst>
+          </p:cNvPr>
+          <p:cNvPicPr>
+            <a:picLocks noChangeAspect="1"/>
+          </p:cNvPicPr>
+          <p:nvPr/>
+        </p:nvPicPr>
+        <p:blipFill>
+          <a:blip r:embed="rId2"/>
+          <a:stretch>
+            <a:fillRect/>
+          </a:stretch>
+        </p:blipFill>
+        <p:spPr>
+          <a:xfrm>
+            <a:off x="959708" y="2646182"/>
+            <a:ext cx="4362674" cy="3530781"/>
+          </a:xfrm>
+          <a:prstGeom prst="rect">
+            <a:avLst/>
+          </a:prstGeom>
+        </p:spPr>
+      </p:pic>
+      <p:pic>
+        <p:nvPicPr>
+          <p:cNvPr id="7" name="Imagen 6">
+            <a:extLst>
+              <a:ext uri="{FF2B5EF4-FFF2-40B4-BE49-F238E27FC236}">
+                <a16:creationId xmlns:a16="http://schemas.microsoft.com/office/drawing/2014/main" id="{6B7D79E3-A464-47BF-BCF8-424011334060}"/>
+              </a:ext>
+            </a:extLst>
+          </p:cNvPr>
+          <p:cNvPicPr>
+            <a:picLocks noChangeAspect="1"/>
+          </p:cNvPicPr>
+          <p:nvPr/>
+        </p:nvPicPr>
+        <p:blipFill>
+          <a:blip r:embed="rId3"/>
+          <a:stretch>
+            <a:fillRect/>
+          </a:stretch>
+        </p:blipFill>
+        <p:spPr>
+          <a:xfrm>
+            <a:off x="5850303" y="3757488"/>
+            <a:ext cx="3321221" cy="654084"/>
+          </a:xfrm>
+          <a:prstGeom prst="rect">
+            <a:avLst/>
+          </a:prstGeom>
+        </p:spPr>
+      </p:pic>
+    </p:spTree>
+    <p:extLst>
+      <p:ext uri="{BB962C8B-B14F-4D97-AF65-F5344CB8AC3E}">
+        <p14:creationId xmlns:p14="http://schemas.microsoft.com/office/powerpoint/2010/main" val="3473548024"/>
+      </p:ext>
+    </p:extLst>
+  </p:cSld>
+  <p:clrMapOvr>
+    <a:masterClrMapping/>
+  </p:clrMapOvr>
+</p:sld>
+</file>
+
 <file path=ppt/theme/theme1.xml><?xml version="1.0" encoding="utf-8"?>
 <a:theme xmlns:a="http://schemas.openxmlformats.org/drawingml/2006/main" name="Tema de Office">
   <a:themeElements>
